--- a/docs/Diagrams.pptx
+++ b/docs/Diagrams.pptx
@@ -110,6 +110,11 @@
       </a:defRPr>
     </a:lvl9pPr>
   </p:defaultTextStyle>
+  <p:extLst>
+    <p:ext uri="{EFAFB233-063F-42B5-8137-9DF3F51BA10A}">
+      <p15:sldGuideLst xmlns:p15="http://schemas.microsoft.com/office/powerpoint/2012/main"/>
+    </p:ext>
+  </p:extLst>
 </p:presentation>
 </file>
 
@@ -260,7 +265,7 @@
           <a:p>
             <a:fld id="{4A242403-8438-D643-B2F0-E791BFD30AF6}" type="datetimeFigureOut">
               <a:rPr lang="en-US" smtClean="0"/>
-              <a:t>5/27/20</a:t>
+              <a:t>7/26/20</a:t>
             </a:fld>
             <a:endParaRPr lang="en-US"/>
           </a:p>
@@ -458,7 +463,7 @@
           <a:p>
             <a:fld id="{4A242403-8438-D643-B2F0-E791BFD30AF6}" type="datetimeFigureOut">
               <a:rPr lang="en-US" smtClean="0"/>
-              <a:t>5/27/20</a:t>
+              <a:t>7/26/20</a:t>
             </a:fld>
             <a:endParaRPr lang="en-US"/>
           </a:p>
@@ -666,7 +671,7 @@
           <a:p>
             <a:fld id="{4A242403-8438-D643-B2F0-E791BFD30AF6}" type="datetimeFigureOut">
               <a:rPr lang="en-US" smtClean="0"/>
-              <a:t>5/27/20</a:t>
+              <a:t>7/26/20</a:t>
             </a:fld>
             <a:endParaRPr lang="en-US"/>
           </a:p>
@@ -864,7 +869,7 @@
           <a:p>
             <a:fld id="{4A242403-8438-D643-B2F0-E791BFD30AF6}" type="datetimeFigureOut">
               <a:rPr lang="en-US" smtClean="0"/>
-              <a:t>5/27/20</a:t>
+              <a:t>7/26/20</a:t>
             </a:fld>
             <a:endParaRPr lang="en-US"/>
           </a:p>
@@ -1139,7 +1144,7 @@
           <a:p>
             <a:fld id="{4A242403-8438-D643-B2F0-E791BFD30AF6}" type="datetimeFigureOut">
               <a:rPr lang="en-US" smtClean="0"/>
-              <a:t>5/27/20</a:t>
+              <a:t>7/26/20</a:t>
             </a:fld>
             <a:endParaRPr lang="en-US"/>
           </a:p>
@@ -1404,7 +1409,7 @@
           <a:p>
             <a:fld id="{4A242403-8438-D643-B2F0-E791BFD30AF6}" type="datetimeFigureOut">
               <a:rPr lang="en-US" smtClean="0"/>
-              <a:t>5/27/20</a:t>
+              <a:t>7/26/20</a:t>
             </a:fld>
             <a:endParaRPr lang="en-US"/>
           </a:p>
@@ -1816,7 +1821,7 @@
           <a:p>
             <a:fld id="{4A242403-8438-D643-B2F0-E791BFD30AF6}" type="datetimeFigureOut">
               <a:rPr lang="en-US" smtClean="0"/>
-              <a:t>5/27/20</a:t>
+              <a:t>7/26/20</a:t>
             </a:fld>
             <a:endParaRPr lang="en-US"/>
           </a:p>
@@ -1957,7 +1962,7 @@
           <a:p>
             <a:fld id="{4A242403-8438-D643-B2F0-E791BFD30AF6}" type="datetimeFigureOut">
               <a:rPr lang="en-US" smtClean="0"/>
-              <a:t>5/27/20</a:t>
+              <a:t>7/26/20</a:t>
             </a:fld>
             <a:endParaRPr lang="en-US"/>
           </a:p>
@@ -2070,7 +2075,7 @@
           <a:p>
             <a:fld id="{4A242403-8438-D643-B2F0-E791BFD30AF6}" type="datetimeFigureOut">
               <a:rPr lang="en-US" smtClean="0"/>
-              <a:t>5/27/20</a:t>
+              <a:t>7/26/20</a:t>
             </a:fld>
             <a:endParaRPr lang="en-US"/>
           </a:p>
@@ -2381,7 +2386,7 @@
           <a:p>
             <a:fld id="{4A242403-8438-D643-B2F0-E791BFD30AF6}" type="datetimeFigureOut">
               <a:rPr lang="en-US" smtClean="0"/>
-              <a:t>5/27/20</a:t>
+              <a:t>7/26/20</a:t>
             </a:fld>
             <a:endParaRPr lang="en-US"/>
           </a:p>
@@ -2669,7 +2674,7 @@
           <a:p>
             <a:fld id="{4A242403-8438-D643-B2F0-E791BFD30AF6}" type="datetimeFigureOut">
               <a:rPr lang="en-US" smtClean="0"/>
-              <a:t>5/27/20</a:t>
+              <a:t>7/26/20</a:t>
             </a:fld>
             <a:endParaRPr lang="en-US"/>
           </a:p>
@@ -2910,7 +2915,7 @@
           <a:p>
             <a:fld id="{4A242403-8438-D643-B2F0-E791BFD30AF6}" type="datetimeFigureOut">
               <a:rPr lang="en-US" smtClean="0"/>
-              <a:t>5/27/20</a:t>
+              <a:t>7/26/20</a:t>
             </a:fld>
             <a:endParaRPr lang="en-US"/>
           </a:p>
@@ -4851,7 +4856,7 @@
         </p:nvSpPr>
         <p:spPr>
           <a:xfrm>
-            <a:off x="3281982" y="1767671"/>
+            <a:off x="1770897" y="1767670"/>
             <a:ext cx="469564" cy="480951"/>
           </a:xfrm>
           <a:prstGeom prst="roundRect">
@@ -4906,7 +4911,7 @@
         </p:nvSpPr>
         <p:spPr>
           <a:xfrm>
-            <a:off x="4352957" y="1767670"/>
+            <a:off x="2841872" y="1767669"/>
             <a:ext cx="469564" cy="480951"/>
           </a:xfrm>
           <a:prstGeom prst="roundRect">
@@ -4944,10 +4949,7 @@
               <a:rPr lang="en-US" sz="1400" dirty="0"/>
               <a:t>E</a:t>
             </a:r>
-            <a:r>
-              <a:rPr lang="en-US" sz="1400" baseline="-25000" dirty="0"/>
-              <a:t>1</a:t>
-            </a:r>
+            <a:endParaRPr lang="en-US" sz="1400" baseline="-25000" dirty="0"/>
           </a:p>
         </p:txBody>
       </p:sp>
@@ -4965,8 +4967,8 @@
         </p:nvSpPr>
         <p:spPr>
           <a:xfrm>
-            <a:off x="5423932" y="1767669"/>
-            <a:ext cx="469564" cy="480951"/>
+            <a:off x="4310497" y="1293628"/>
+            <a:ext cx="824327" cy="480951"/>
           </a:xfrm>
           <a:prstGeom prst="roundRect">
             <a:avLst/>
@@ -5001,21 +5003,18 @@
             <a:pPr algn="ctr"/>
             <a:r>
               <a:rPr lang="en-US" sz="1400" dirty="0"/>
-              <a:t>E</a:t>
-            </a:r>
-            <a:r>
-              <a:rPr lang="en-US" sz="1400" baseline="-25000" dirty="0"/>
-              <a:t>2</a:t>
-            </a:r>
-          </a:p>
-        </p:txBody>
-      </p:sp>
-      <p:sp>
-        <p:nvSpPr>
-          <p:cNvPr id="7" name="Rounded Rectangle 6">
-            <a:extLst>
-              <a:ext uri="{FF2B5EF4-FFF2-40B4-BE49-F238E27FC236}">
-                <a16:creationId xmlns:a16="http://schemas.microsoft.com/office/drawing/2014/main" id="{A6D4DC44-ADE3-4F4B-85CD-217C204F92C4}"/>
+              <a:t>Asym</a:t>
+            </a:r>
+            <a:endParaRPr lang="en-US" sz="1400" baseline="-25000" dirty="0"/>
+          </a:p>
+        </p:txBody>
+      </p:sp>
+      <p:sp>
+        <p:nvSpPr>
+          <p:cNvPr id="9" name="Rounded Rectangle 8">
+            <a:extLst>
+              <a:ext uri="{FF2B5EF4-FFF2-40B4-BE49-F238E27FC236}">
+                <a16:creationId xmlns:a16="http://schemas.microsoft.com/office/drawing/2014/main" id="{0681A572-11EC-2249-81FF-C6679D4842AD}"/>
               </a:ext>
             </a:extLst>
           </p:cNvPr>
@@ -5024,7 +5023,7 @@
         </p:nvSpPr>
         <p:spPr>
           <a:xfrm>
-            <a:off x="6494907" y="1286718"/>
+            <a:off x="7812242" y="1297077"/>
             <a:ext cx="469564" cy="480951"/>
           </a:xfrm>
           <a:prstGeom prst="roundRect">
@@ -5059,23 +5058,18 @@
           <a:p>
             <a:pPr algn="ctr"/>
             <a:r>
-              <a:rPr lang="en-US" sz="1400" dirty="0" err="1"/>
-              <a:t>I</a:t>
-            </a:r>
-            <a:r>
-              <a:rPr lang="en-US" sz="1400" baseline="-25000" dirty="0" err="1"/>
-              <a:t>a</a:t>
-            </a:r>
-            <a:endParaRPr lang="en-US" sz="1400" baseline="-25000" dirty="0"/>
-          </a:p>
-        </p:txBody>
-      </p:sp>
-      <p:sp>
-        <p:nvSpPr>
-          <p:cNvPr id="8" name="Rounded Rectangle 7">
-            <a:extLst>
-              <a:ext uri="{FF2B5EF4-FFF2-40B4-BE49-F238E27FC236}">
-                <a16:creationId xmlns:a16="http://schemas.microsoft.com/office/drawing/2014/main" id="{C09655AE-31B1-F04A-888F-932E439F230C}"/>
+              <a:rPr lang="en-US" sz="1400" dirty="0"/>
+              <a:t>R</a:t>
+            </a:r>
+          </a:p>
+        </p:txBody>
+      </p:sp>
+      <p:sp>
+        <p:nvSpPr>
+          <p:cNvPr id="10" name="Rounded Rectangle 9">
+            <a:extLst>
+              <a:ext uri="{FF2B5EF4-FFF2-40B4-BE49-F238E27FC236}">
+                <a16:creationId xmlns:a16="http://schemas.microsoft.com/office/drawing/2014/main" id="{33AF0508-9E5C-D840-A8A3-299172C8487E}"/>
               </a:ext>
             </a:extLst>
           </p:cNvPr>
@@ -5084,7 +5078,7 @@
         </p:nvSpPr>
         <p:spPr>
           <a:xfrm>
-            <a:off x="6494907" y="2248620"/>
+            <a:off x="7810149" y="2578152"/>
             <a:ext cx="469564" cy="480951"/>
           </a:xfrm>
           <a:prstGeom prst="roundRect">
@@ -5120,120 +5114,6 @@
             <a:pPr algn="ctr"/>
             <a:r>
               <a:rPr lang="en-US" sz="1400" dirty="0"/>
-              <a:t>I</a:t>
-            </a:r>
-            <a:r>
-              <a:rPr lang="en-US" sz="1400" baseline="-25000" dirty="0"/>
-              <a:t>s</a:t>
-            </a:r>
-          </a:p>
-        </p:txBody>
-      </p:sp>
-      <p:sp>
-        <p:nvSpPr>
-          <p:cNvPr id="9" name="Rounded Rectangle 8">
-            <a:extLst>
-              <a:ext uri="{FF2B5EF4-FFF2-40B4-BE49-F238E27FC236}">
-                <a16:creationId xmlns:a16="http://schemas.microsoft.com/office/drawing/2014/main" id="{0681A572-11EC-2249-81FF-C6679D4842AD}"/>
-              </a:ext>
-            </a:extLst>
-          </p:cNvPr>
-          <p:cNvSpPr/>
-          <p:nvPr/>
-        </p:nvSpPr>
-        <p:spPr>
-          <a:xfrm>
-            <a:off x="7509518" y="1286718"/>
-            <a:ext cx="469564" cy="480951"/>
-          </a:xfrm>
-          <a:prstGeom prst="roundRect">
-            <a:avLst/>
-          </a:prstGeom>
-          <a:solidFill>
-            <a:schemeClr val="accent1">
-              <a:lumMod val="60000"/>
-              <a:lumOff val="40000"/>
-            </a:schemeClr>
-          </a:solidFill>
-        </p:spPr>
-        <p:style>
-          <a:lnRef idx="2">
-            <a:schemeClr val="accent5">
-              <a:shade val="50000"/>
-            </a:schemeClr>
-          </a:lnRef>
-          <a:fillRef idx="1">
-            <a:schemeClr val="accent5"/>
-          </a:fillRef>
-          <a:effectRef idx="0">
-            <a:schemeClr val="accent5"/>
-          </a:effectRef>
-          <a:fontRef idx="minor">
-            <a:schemeClr val="lt1"/>
-          </a:fontRef>
-        </p:style>
-        <p:txBody>
-          <a:bodyPr rtlCol="0" anchor="ctr"/>
-          <a:lstStyle/>
-          <a:p>
-            <a:pPr algn="ctr"/>
-            <a:r>
-              <a:rPr lang="en-US" sz="1400" dirty="0"/>
-              <a:t>R</a:t>
-            </a:r>
-          </a:p>
-        </p:txBody>
-      </p:sp>
-      <p:sp>
-        <p:nvSpPr>
-          <p:cNvPr id="10" name="Rounded Rectangle 9">
-            <a:extLst>
-              <a:ext uri="{FF2B5EF4-FFF2-40B4-BE49-F238E27FC236}">
-                <a16:creationId xmlns:a16="http://schemas.microsoft.com/office/drawing/2014/main" id="{33AF0508-9E5C-D840-A8A3-299172C8487E}"/>
-              </a:ext>
-            </a:extLst>
-          </p:cNvPr>
-          <p:cNvSpPr/>
-          <p:nvPr/>
-        </p:nvSpPr>
-        <p:spPr>
-          <a:xfrm>
-            <a:off x="7509518" y="2248620"/>
-            <a:ext cx="469564" cy="480951"/>
-          </a:xfrm>
-          <a:prstGeom prst="roundRect">
-            <a:avLst/>
-          </a:prstGeom>
-          <a:solidFill>
-            <a:schemeClr val="accent1">
-              <a:lumMod val="60000"/>
-              <a:lumOff val="40000"/>
-            </a:schemeClr>
-          </a:solidFill>
-        </p:spPr>
-        <p:style>
-          <a:lnRef idx="2">
-            <a:schemeClr val="accent5">
-              <a:shade val="50000"/>
-            </a:schemeClr>
-          </a:lnRef>
-          <a:fillRef idx="1">
-            <a:schemeClr val="accent5"/>
-          </a:fillRef>
-          <a:effectRef idx="0">
-            <a:schemeClr val="accent5"/>
-          </a:effectRef>
-          <a:fontRef idx="minor">
-            <a:schemeClr val="lt1"/>
-          </a:fontRef>
-        </p:style>
-        <p:txBody>
-          <a:bodyPr rtlCol="0" anchor="ctr"/>
-          <a:lstStyle/>
-          <a:p>
-            <a:pPr algn="ctr"/>
-            <a:r>
-              <a:rPr lang="en-US" sz="1400" dirty="0"/>
               <a:t>D</a:t>
             </a:r>
           </a:p>
@@ -5256,7 +5136,7 @@
         </p:nvCxnSpPr>
         <p:spPr>
           <a:xfrm flipV="1">
-            <a:off x="3751546" y="2008146"/>
+            <a:off x="2240461" y="2008145"/>
             <a:ext cx="601411" cy="1"/>
           </a:xfrm>
           <a:prstGeom prst="straightConnector1">
@@ -5299,8 +5179,8 @@
         </p:nvCxnSpPr>
         <p:spPr>
           <a:xfrm flipV="1">
-            <a:off x="4822521" y="2008145"/>
-            <a:ext cx="601411" cy="1"/>
+            <a:off x="3311436" y="1534104"/>
+            <a:ext cx="999061" cy="474041"/>
           </a:xfrm>
           <a:prstGeom prst="straightConnector1">
             <a:avLst/>
@@ -5336,14 +5216,14 @@
           <p:cNvCxnSpPr>
             <a:cxnSpLocks/>
             <a:stCxn id="6" idx="3"/>
-            <a:endCxn id="7" idx="1"/>
+            <a:endCxn id="9" idx="1"/>
           </p:cNvCxnSpPr>
           <p:nvPr/>
         </p:nvCxnSpPr>
         <p:spPr>
-          <a:xfrm flipV="1">
-            <a:off x="5893496" y="1527194"/>
-            <a:ext cx="601411" cy="480951"/>
+          <a:xfrm>
+            <a:off x="5134824" y="1534104"/>
+            <a:ext cx="2677418" cy="3449"/>
           </a:xfrm>
           <a:prstGeom prst="straightConnector1">
             <a:avLst/>
@@ -5378,15 +5258,15 @@
           </p:cNvPr>
           <p:cNvCxnSpPr>
             <a:cxnSpLocks/>
-            <a:stCxn id="6" idx="3"/>
-            <a:endCxn id="8" idx="1"/>
+            <a:stCxn id="37" idx="3"/>
+            <a:endCxn id="38" idx="1"/>
           </p:cNvCxnSpPr>
           <p:nvPr/>
         </p:nvCxnSpPr>
         <p:spPr>
           <a:xfrm>
-            <a:off x="5893496" y="2008145"/>
-            <a:ext cx="601411" cy="480951"/>
+            <a:off x="6329811" y="2600733"/>
+            <a:ext cx="385209" cy="217896"/>
           </a:xfrm>
           <a:prstGeom prst="straightConnector1">
             <a:avLst/>
@@ -5421,15 +5301,15 @@
           </p:cNvPr>
           <p:cNvCxnSpPr>
             <a:cxnSpLocks/>
-            <a:stCxn id="8" idx="3"/>
+            <a:stCxn id="38" idx="3"/>
             <a:endCxn id="9" idx="1"/>
           </p:cNvCxnSpPr>
           <p:nvPr/>
         </p:nvCxnSpPr>
         <p:spPr>
           <a:xfrm flipV="1">
-            <a:off x="6964471" y="1527194"/>
-            <a:ext cx="545047" cy="961902"/>
+            <a:off x="7513658" y="1537553"/>
+            <a:ext cx="298584" cy="1281076"/>
           </a:xfrm>
           <a:prstGeom prst="straightConnector1">
             <a:avLst/>
@@ -5464,58 +5344,15 @@
           </p:cNvPr>
           <p:cNvCxnSpPr>
             <a:cxnSpLocks/>
-            <a:stCxn id="8" idx="3"/>
+            <a:stCxn id="38" idx="3"/>
             <a:endCxn id="10" idx="1"/>
           </p:cNvCxnSpPr>
           <p:nvPr/>
         </p:nvCxnSpPr>
         <p:spPr>
-          <a:xfrm>
-            <a:off x="6964471" y="2489096"/>
-            <a:ext cx="545047" cy="0"/>
-          </a:xfrm>
-          <a:prstGeom prst="straightConnector1">
-            <a:avLst/>
-          </a:prstGeom>
-          <a:ln>
-            <a:tailEnd type="triangle"/>
-          </a:ln>
-        </p:spPr>
-        <p:style>
-          <a:lnRef idx="1">
-            <a:schemeClr val="accent1"/>
-          </a:lnRef>
-          <a:fillRef idx="0">
-            <a:schemeClr val="accent1"/>
-          </a:fillRef>
-          <a:effectRef idx="0">
-            <a:schemeClr val="accent1"/>
-          </a:effectRef>
-          <a:fontRef idx="minor">
-            <a:schemeClr val="tx1"/>
-          </a:fontRef>
-        </p:style>
-      </p:cxnSp>
-      <p:cxnSp>
-        <p:nvCxnSpPr>
-          <p:cNvPr id="29" name="Straight Arrow Connector 28">
-            <a:extLst>
-              <a:ext uri="{FF2B5EF4-FFF2-40B4-BE49-F238E27FC236}">
-                <a16:creationId xmlns:a16="http://schemas.microsoft.com/office/drawing/2014/main" id="{86CEBF31-CCF8-0D49-B9AE-3E25CAFA74C5}"/>
-              </a:ext>
-            </a:extLst>
-          </p:cNvPr>
-          <p:cNvCxnSpPr>
-            <a:cxnSpLocks/>
-            <a:stCxn id="7" idx="3"/>
-            <a:endCxn id="9" idx="1"/>
-          </p:cNvCxnSpPr>
-          <p:nvPr/>
-        </p:nvCxnSpPr>
-        <p:spPr>
-          <a:xfrm>
-            <a:off x="6964471" y="1527194"/>
-            <a:ext cx="545047" cy="0"/>
+          <a:xfrm flipV="1">
+            <a:off x="7513658" y="2818628"/>
+            <a:ext cx="296491" cy="1"/>
           </a:xfrm>
           <a:prstGeom prst="straightConnector1">
             <a:avLst/>
@@ -6012,6 +5849,303 @@
             <a:avLst>
               <a:gd name="adj1" fmla="val 1800000"/>
             </a:avLst>
+          </a:prstGeom>
+          <a:ln>
+            <a:tailEnd type="triangle"/>
+          </a:ln>
+        </p:spPr>
+        <p:style>
+          <a:lnRef idx="1">
+            <a:schemeClr val="accent1"/>
+          </a:lnRef>
+          <a:fillRef idx="0">
+            <a:schemeClr val="accent1"/>
+          </a:fillRef>
+          <a:effectRef idx="0">
+            <a:schemeClr val="accent1"/>
+          </a:effectRef>
+          <a:fontRef idx="minor">
+            <a:schemeClr val="tx1"/>
+          </a:fontRef>
+        </p:style>
+      </p:cxnSp>
+      <p:sp>
+        <p:nvSpPr>
+          <p:cNvPr id="30" name="Rounded Rectangle 29">
+            <a:extLst>
+              <a:ext uri="{FF2B5EF4-FFF2-40B4-BE49-F238E27FC236}">
+                <a16:creationId xmlns:a16="http://schemas.microsoft.com/office/drawing/2014/main" id="{C42697A4-F2E0-5C4E-B32E-BFC3DC36338A}"/>
+              </a:ext>
+            </a:extLst>
+          </p:cNvPr>
+          <p:cNvSpPr/>
+          <p:nvPr/>
+        </p:nvSpPr>
+        <p:spPr>
+          <a:xfrm>
+            <a:off x="4325912" y="2360257"/>
+            <a:ext cx="798638" cy="480951"/>
+          </a:xfrm>
+          <a:prstGeom prst="roundRect">
+            <a:avLst/>
+          </a:prstGeom>
+          <a:solidFill>
+            <a:schemeClr val="accent1">
+              <a:lumMod val="60000"/>
+              <a:lumOff val="40000"/>
+            </a:schemeClr>
+          </a:solidFill>
+        </p:spPr>
+        <p:style>
+          <a:lnRef idx="2">
+            <a:schemeClr val="accent5">
+              <a:shade val="50000"/>
+            </a:schemeClr>
+          </a:lnRef>
+          <a:fillRef idx="1">
+            <a:schemeClr val="accent5"/>
+          </a:fillRef>
+          <a:effectRef idx="0">
+            <a:schemeClr val="accent5"/>
+          </a:effectRef>
+          <a:fontRef idx="minor">
+            <a:schemeClr val="lt1"/>
+          </a:fontRef>
+        </p:style>
+        <p:txBody>
+          <a:bodyPr rtlCol="0" anchor="ctr"/>
+          <a:lstStyle/>
+          <a:p>
+            <a:pPr algn="ctr"/>
+            <a:r>
+              <a:rPr lang="en-US" sz="1400" dirty="0"/>
+              <a:t>Pre</a:t>
+            </a:r>
+            <a:endParaRPr lang="en-US" sz="1400" baseline="-25000" dirty="0"/>
+          </a:p>
+        </p:txBody>
+      </p:sp>
+      <p:sp>
+        <p:nvSpPr>
+          <p:cNvPr id="37" name="Rounded Rectangle 36">
+            <a:extLst>
+              <a:ext uri="{FF2B5EF4-FFF2-40B4-BE49-F238E27FC236}">
+                <a16:creationId xmlns:a16="http://schemas.microsoft.com/office/drawing/2014/main" id="{55543812-87E6-5244-A3E0-1043492618FB}"/>
+              </a:ext>
+            </a:extLst>
+          </p:cNvPr>
+          <p:cNvSpPr/>
+          <p:nvPr/>
+        </p:nvSpPr>
+        <p:spPr>
+          <a:xfrm>
+            <a:off x="5531173" y="2360257"/>
+            <a:ext cx="798638" cy="480951"/>
+          </a:xfrm>
+          <a:prstGeom prst="roundRect">
+            <a:avLst/>
+          </a:prstGeom>
+          <a:solidFill>
+            <a:schemeClr val="accent1">
+              <a:lumMod val="60000"/>
+              <a:lumOff val="40000"/>
+            </a:schemeClr>
+          </a:solidFill>
+        </p:spPr>
+        <p:style>
+          <a:lnRef idx="2">
+            <a:schemeClr val="accent5">
+              <a:shade val="50000"/>
+            </a:schemeClr>
+          </a:lnRef>
+          <a:fillRef idx="1">
+            <a:schemeClr val="accent5"/>
+          </a:fillRef>
+          <a:effectRef idx="0">
+            <a:schemeClr val="accent5"/>
+          </a:effectRef>
+          <a:fontRef idx="minor">
+            <a:schemeClr val="lt1"/>
+          </a:fontRef>
+        </p:style>
+        <p:txBody>
+          <a:bodyPr rtlCol="0" anchor="ctr"/>
+          <a:lstStyle/>
+          <a:p>
+            <a:pPr algn="ctr"/>
+            <a:r>
+              <a:rPr lang="en-US" sz="1400" dirty="0"/>
+              <a:t>Symp</a:t>
+            </a:r>
+            <a:endParaRPr lang="en-US" sz="1400" baseline="-25000" dirty="0"/>
+          </a:p>
+        </p:txBody>
+      </p:sp>
+      <p:sp>
+        <p:nvSpPr>
+          <p:cNvPr id="38" name="Rounded Rectangle 37">
+            <a:extLst>
+              <a:ext uri="{FF2B5EF4-FFF2-40B4-BE49-F238E27FC236}">
+                <a16:creationId xmlns:a16="http://schemas.microsoft.com/office/drawing/2014/main" id="{D304FE9E-0FE3-0845-91DE-1D8A4E7C5275}"/>
+              </a:ext>
+            </a:extLst>
+          </p:cNvPr>
+          <p:cNvSpPr/>
+          <p:nvPr/>
+        </p:nvSpPr>
+        <p:spPr>
+          <a:xfrm>
+            <a:off x="6715020" y="2578153"/>
+            <a:ext cx="798638" cy="480951"/>
+          </a:xfrm>
+          <a:prstGeom prst="roundRect">
+            <a:avLst/>
+          </a:prstGeom>
+          <a:solidFill>
+            <a:schemeClr val="accent1">
+              <a:lumMod val="60000"/>
+              <a:lumOff val="40000"/>
+            </a:schemeClr>
+          </a:solidFill>
+        </p:spPr>
+        <p:style>
+          <a:lnRef idx="2">
+            <a:schemeClr val="accent5">
+              <a:shade val="50000"/>
+            </a:schemeClr>
+          </a:lnRef>
+          <a:fillRef idx="1">
+            <a:schemeClr val="accent5"/>
+          </a:fillRef>
+          <a:effectRef idx="0">
+            <a:schemeClr val="accent5"/>
+          </a:effectRef>
+          <a:fontRef idx="minor">
+            <a:schemeClr val="lt1"/>
+          </a:fontRef>
+        </p:style>
+        <p:txBody>
+          <a:bodyPr rtlCol="0" anchor="ctr"/>
+          <a:lstStyle/>
+          <a:p>
+            <a:pPr algn="ctr"/>
+            <a:r>
+              <a:rPr lang="en-US" sz="1400" dirty="0"/>
+              <a:t>Sev</a:t>
+            </a:r>
+            <a:endParaRPr lang="en-US" sz="1400" baseline="-25000" dirty="0"/>
+          </a:p>
+        </p:txBody>
+      </p:sp>
+      <p:cxnSp>
+        <p:nvCxnSpPr>
+          <p:cNvPr id="43" name="Straight Arrow Connector 42">
+            <a:extLst>
+              <a:ext uri="{FF2B5EF4-FFF2-40B4-BE49-F238E27FC236}">
+                <a16:creationId xmlns:a16="http://schemas.microsoft.com/office/drawing/2014/main" id="{B5348F3F-43D8-F64E-8E65-2B7AE1E16884}"/>
+              </a:ext>
+            </a:extLst>
+          </p:cNvPr>
+          <p:cNvCxnSpPr>
+            <a:cxnSpLocks/>
+            <a:stCxn id="5" idx="3"/>
+            <a:endCxn id="30" idx="1"/>
+          </p:cNvCxnSpPr>
+          <p:nvPr/>
+        </p:nvCxnSpPr>
+        <p:spPr>
+          <a:xfrm>
+            <a:off x="3311436" y="2008145"/>
+            <a:ext cx="1014476" cy="592588"/>
+          </a:xfrm>
+          <a:prstGeom prst="straightConnector1">
+            <a:avLst/>
+          </a:prstGeom>
+          <a:ln>
+            <a:tailEnd type="triangle"/>
+          </a:ln>
+        </p:spPr>
+        <p:style>
+          <a:lnRef idx="1">
+            <a:schemeClr val="accent1"/>
+          </a:lnRef>
+          <a:fillRef idx="0">
+            <a:schemeClr val="accent1"/>
+          </a:fillRef>
+          <a:effectRef idx="0">
+            <a:schemeClr val="accent1"/>
+          </a:effectRef>
+          <a:fontRef idx="minor">
+            <a:schemeClr val="tx1"/>
+          </a:fontRef>
+        </p:style>
+      </p:cxnSp>
+      <p:cxnSp>
+        <p:nvCxnSpPr>
+          <p:cNvPr id="44" name="Straight Arrow Connector 43">
+            <a:extLst>
+              <a:ext uri="{FF2B5EF4-FFF2-40B4-BE49-F238E27FC236}">
+                <a16:creationId xmlns:a16="http://schemas.microsoft.com/office/drawing/2014/main" id="{FA21817E-B3CE-7740-B9FF-7CE0D35C9D90}"/>
+              </a:ext>
+            </a:extLst>
+          </p:cNvPr>
+          <p:cNvCxnSpPr>
+            <a:cxnSpLocks/>
+            <a:stCxn id="30" idx="3"/>
+            <a:endCxn id="37" idx="1"/>
+          </p:cNvCxnSpPr>
+          <p:nvPr/>
+        </p:nvCxnSpPr>
+        <p:spPr>
+          <a:xfrm>
+            <a:off x="5124550" y="2600733"/>
+            <a:ext cx="406623" cy="0"/>
+          </a:xfrm>
+          <a:prstGeom prst="straightConnector1">
+            <a:avLst/>
+          </a:prstGeom>
+          <a:ln>
+            <a:tailEnd type="triangle"/>
+          </a:ln>
+        </p:spPr>
+        <p:style>
+          <a:lnRef idx="1">
+            <a:schemeClr val="accent1"/>
+          </a:lnRef>
+          <a:fillRef idx="0">
+            <a:schemeClr val="accent1"/>
+          </a:fillRef>
+          <a:effectRef idx="0">
+            <a:schemeClr val="accent1"/>
+          </a:effectRef>
+          <a:fontRef idx="minor">
+            <a:schemeClr val="tx1"/>
+          </a:fontRef>
+        </p:style>
+      </p:cxnSp>
+      <p:cxnSp>
+        <p:nvCxnSpPr>
+          <p:cNvPr id="51" name="Straight Arrow Connector 50">
+            <a:extLst>
+              <a:ext uri="{FF2B5EF4-FFF2-40B4-BE49-F238E27FC236}">
+                <a16:creationId xmlns:a16="http://schemas.microsoft.com/office/drawing/2014/main" id="{6A515143-EC53-2845-A365-4623830C73E5}"/>
+              </a:ext>
+            </a:extLst>
+          </p:cNvPr>
+          <p:cNvCxnSpPr>
+            <a:cxnSpLocks/>
+            <a:stCxn id="37" idx="3"/>
+            <a:endCxn id="9" idx="1"/>
+          </p:cNvCxnSpPr>
+          <p:nvPr/>
+        </p:nvCxnSpPr>
+        <p:spPr>
+          <a:xfrm flipV="1">
+            <a:off x="6329811" y="1537553"/>
+            <a:ext cx="1482431" cy="1063180"/>
+          </a:xfrm>
+          <a:prstGeom prst="straightConnector1">
+            <a:avLst/>
           </a:prstGeom>
           <a:ln>
             <a:tailEnd type="triangle"/>
